--- a/TeamProjectPPT_양승준.pptx
+++ b/TeamProjectPPT_양승준.pptx
@@ -14,9 +14,9 @@
     <p:sldId id="257" r:id="rId5"/>
     <p:sldId id="264" r:id="rId6"/>
     <p:sldId id="266" r:id="rId7"/>
-    <p:sldId id="272" r:id="rId8"/>
-    <p:sldId id="279" r:id="rId9"/>
-    <p:sldId id="267" r:id="rId10"/>
+    <p:sldId id="267" r:id="rId8"/>
+    <p:sldId id="280" r:id="rId9"/>
+    <p:sldId id="281" r:id="rId10"/>
     <p:sldId id="269" r:id="rId11"/>
     <p:sldId id="270" r:id="rId12"/>
     <p:sldId id="271" r:id="rId13"/>
@@ -264,7 +264,7 @@
       <p15:sldGuideLst xmlns:p15="http://schemas.microsoft.com/office/powerpoint/2012/main"/>
     </p:ext>
     <p:ext uri="GoogleSlidesCustomDataVersion2">
-      <go:slidesCustomData xmlns:go="http://customooxmlschemas.google.com/" xmlns:ahyp="http://schemas.microsoft.com/office/drawing/2018/hyperlinkcolor" xmlns:p15="http://schemas.microsoft.com/office/powerpoint/2012/main" xmlns:p14="http://schemas.microsoft.com/office/powerpoint/2010/main" xmlns:com="http://schemas.openxmlformats.org/drawingml/2006/compatibility" xmlns:pvml="urn:schemas-microsoft-com:office:powerpoint" xmlns:v="urn:schemas-microsoft-com:vml" xmlns:o="urn:schemas-microsoft-com:office:office" xmlns:dgm="http://schemas.openxmlformats.org/drawingml/2006/diagram" xmlns:c="http://schemas.openxmlformats.org/drawingml/2006/chart" xmlns:mv="urn:schemas-microsoft-com:mac:vml" xmlns:mc="http://schemas.openxmlformats.org/markup-compatibility/2006" xmlns="" r:id="rId22" roundtripDataSignature="AMtx7mj5GdbxsaFl02bTEFBl/9s84/Z/Bw=="/>
+      <go:slidesCustomData xmlns="" xmlns:mc="http://schemas.openxmlformats.org/markup-compatibility/2006" xmlns:mv="urn:schemas-microsoft-com:mac:vml" xmlns:c="http://schemas.openxmlformats.org/drawingml/2006/chart" xmlns:dgm="http://schemas.openxmlformats.org/drawingml/2006/diagram" xmlns:o="urn:schemas-microsoft-com:office:office" xmlns:v="urn:schemas-microsoft-com:vml" xmlns:pvml="urn:schemas-microsoft-com:office:powerpoint" xmlns:com="http://schemas.openxmlformats.org/drawingml/2006/compatibility" xmlns:p14="http://schemas.microsoft.com/office/powerpoint/2010/main" xmlns:p15="http://schemas.microsoft.com/office/powerpoint/2012/main" xmlns:ahyp="http://schemas.microsoft.com/office/drawing/2018/hyperlinkcolor" xmlns:go="http://customooxmlschemas.google.com/" r:id="rId22" roundtripDataSignature="AMtx7mj5GdbxsaFl02bTEFBl/9s84/Z/Bw=="/>
     </p:ext>
   </p:extLst>
 </p:presentation>
@@ -2430,7 +2430,7 @@
     </p:spTree>
     <p:extLst>
       <p:ext uri="{BB962C8B-B14F-4D97-AF65-F5344CB8AC3E}">
-        <p14:creationId xmlns:p14="http://schemas.microsoft.com/office/powerpoint/2010/main" val="1708401238"/>
+        <p14:creationId xmlns:p14="http://schemas.microsoft.com/office/powerpoint/2010/main" val="4270567430"/>
       </p:ext>
     </p:extLst>
   </p:cSld>
@@ -2539,7 +2539,7 @@
     </p:spTree>
     <p:extLst>
       <p:ext uri="{BB962C8B-B14F-4D97-AF65-F5344CB8AC3E}">
-        <p14:creationId xmlns:p14="http://schemas.microsoft.com/office/powerpoint/2010/main" val="4270567430"/>
+        <p14:creationId xmlns:p14="http://schemas.microsoft.com/office/powerpoint/2010/main" val="3149742538"/>
       </p:ext>
     </p:extLst>
   </p:cSld>
@@ -9793,1223 +9793,174 @@
             </a:pPr>
             <a:r>
               <a:rPr lang="en-US" altLang="ko-KR" dirty="0"/>
-              <a:t>Runner</a:t>
+              <a:t>Command </a:t>
             </a:r>
             <a:r>
               <a:rPr lang="ko-KR" altLang="en-US" dirty="0"/>
-              <a:t> </a:t>
-            </a:r>
-            <a:r>
-              <a:rPr lang="en-US" altLang="ko-KR" dirty="0"/>
-              <a:t>&amp;</a:t>
-            </a:r>
-            <a:r>
-              <a:rPr lang="ko-KR" altLang="en-US" dirty="0"/>
-              <a:t> </a:t>
-            </a:r>
-            <a:r>
-              <a:rPr lang="en-US" altLang="ko-KR" dirty="0"/>
-              <a:t>Application </a:t>
-            </a:r>
-            <a:r>
-              <a:rPr lang="ko-KR" altLang="en-US" dirty="0"/>
-              <a:t>구현 소개</a:t>
+              <a:t>구현</a:t>
             </a:r>
           </a:p>
         </p:txBody>
       </p:sp>
-      <p:sp>
-        <p:nvSpPr>
-          <p:cNvPr id="7" name="직사각형 6">
+      <p:pic>
+        <p:nvPicPr>
+          <p:cNvPr id="3" name="그림 2">
             <a:extLst>
               <a:ext uri="{FF2B5EF4-FFF2-40B4-BE49-F238E27FC236}">
-                <a16:creationId xmlns:a16="http://schemas.microsoft.com/office/drawing/2014/main" id="{D68AED07-584F-4DDD-AFB4-E70DCE2A607A}"/>
+                <a16:creationId xmlns:a16="http://schemas.microsoft.com/office/drawing/2014/main" id="{B2172C29-7DE0-4D90-8103-3D0C2A111B13}"/>
               </a:ext>
             </a:extLst>
           </p:cNvPr>
-          <p:cNvSpPr/>
+          <p:cNvPicPr>
+            <a:picLocks noChangeAspect="1"/>
+          </p:cNvPicPr>
           <p:nvPr/>
+        </p:nvPicPr>
+        <p:blipFill>
+          <a:blip r:embed="rId3"/>
+          <a:stretch>
+            <a:fillRect/>
+          </a:stretch>
+        </p:blipFill>
+        <p:spPr>
+          <a:xfrm>
+            <a:off x="1743958" y="2762054"/>
+            <a:ext cx="9021452" cy="3945116"/>
+          </a:xfrm>
+          <a:prstGeom prst="rect">
+            <a:avLst/>
+          </a:prstGeom>
+        </p:spPr>
+      </p:pic>
+      <p:sp>
+        <p:nvSpPr>
+          <p:cNvPr id="5" name="텍스트 개체 틀 1">
+            <a:extLst>
+              <a:ext uri="{FF2B5EF4-FFF2-40B4-BE49-F238E27FC236}">
+                <a16:creationId xmlns:a16="http://schemas.microsoft.com/office/drawing/2014/main" id="{AD1B6530-CF46-40FC-A254-DDEA1E752AE4}"/>
+              </a:ext>
+            </a:extLst>
+          </p:cNvPr>
+          <p:cNvSpPr>
+            <a:spLocks noGrp="1"/>
+          </p:cNvSpPr>
+          <p:nvPr>
+            <p:ph type="body" idx="1"/>
+          </p:nvPr>
         </p:nvSpPr>
         <p:spPr>
           <a:xfrm>
-            <a:off x="273494" y="1394426"/>
-            <a:ext cx="4942742" cy="2681192"/>
-          </a:xfrm>
-          <a:prstGeom prst="rect">
-            <a:avLst/>
-          </a:prstGeom>
-          <a:noFill/>
-        </p:spPr>
-        <p:style>
-          <a:lnRef idx="2">
-            <a:schemeClr val="accent1">
-              <a:shade val="50000"/>
-            </a:schemeClr>
-          </a:lnRef>
-          <a:fillRef idx="1">
-            <a:schemeClr val="accent1"/>
-          </a:fillRef>
-          <a:effectRef idx="0">
-            <a:schemeClr val="accent1"/>
-          </a:effectRef>
-          <a:fontRef idx="minor">
-            <a:schemeClr val="lt1"/>
-          </a:fontRef>
-        </p:style>
-        <p:txBody>
-          <a:bodyPr rtlCol="0" anchor="ctr"/>
-          <a:lstStyle/>
-          <a:p>
-            <a:pPr algn="ctr"/>
-            <a:endParaRPr lang="ko-KR" altLang="en-US" dirty="0"/>
-          </a:p>
-        </p:txBody>
-      </p:sp>
-      <p:sp>
-        <p:nvSpPr>
-          <p:cNvPr id="9" name="직사각형 8">
-            <a:extLst>
-              <a:ext uri="{FF2B5EF4-FFF2-40B4-BE49-F238E27FC236}">
-                <a16:creationId xmlns:a16="http://schemas.microsoft.com/office/drawing/2014/main" id="{276F87CF-FB45-4661-BC25-BB13704AF4F2}"/>
-              </a:ext>
-            </a:extLst>
-          </p:cNvPr>
-          <p:cNvSpPr/>
-          <p:nvPr/>
-        </p:nvSpPr>
-        <p:spPr>
-          <a:xfrm>
-            <a:off x="1097634" y="2185090"/>
-            <a:ext cx="1396182" cy="298646"/>
-          </a:xfrm>
-          <a:prstGeom prst="rect">
-            <a:avLst/>
-          </a:prstGeom>
-          <a:solidFill>
-            <a:schemeClr val="accent1"/>
-          </a:solidFill>
-        </p:spPr>
-        <p:style>
-          <a:lnRef idx="2">
-            <a:schemeClr val="accent1">
-              <a:shade val="50000"/>
-            </a:schemeClr>
-          </a:lnRef>
-          <a:fillRef idx="1">
-            <a:schemeClr val="accent1"/>
-          </a:fillRef>
-          <a:effectRef idx="0">
-            <a:schemeClr val="accent1"/>
-          </a:effectRef>
-          <a:fontRef idx="minor">
-            <a:schemeClr val="lt1"/>
-          </a:fontRef>
-        </p:style>
-        <p:txBody>
-          <a:bodyPr rtlCol="0" anchor="ctr"/>
-          <a:lstStyle/>
-          <a:p>
-            <a:pPr algn="ctr"/>
-            <a:r>
-              <a:rPr lang="en-US" altLang="ko-KR" dirty="0" err="1"/>
-              <a:t>TestApplication</a:t>
-            </a:r>
-            <a:endParaRPr lang="ko-KR" altLang="en-US" dirty="0"/>
-          </a:p>
-        </p:txBody>
-      </p:sp>
-      <p:sp>
-        <p:nvSpPr>
-          <p:cNvPr id="10" name="직사각형 9">
-            <a:extLst>
-              <a:ext uri="{FF2B5EF4-FFF2-40B4-BE49-F238E27FC236}">
-                <a16:creationId xmlns:a16="http://schemas.microsoft.com/office/drawing/2014/main" id="{D5480C72-CC52-4CAB-B7A7-E0CFAF2407C5}"/>
-              </a:ext>
-            </a:extLst>
-          </p:cNvPr>
-          <p:cNvSpPr/>
-          <p:nvPr/>
-        </p:nvSpPr>
-        <p:spPr>
-          <a:xfrm>
-            <a:off x="1097634" y="2632392"/>
-            <a:ext cx="1396182" cy="298646"/>
-          </a:xfrm>
-          <a:prstGeom prst="rect">
-            <a:avLst/>
-          </a:prstGeom>
-          <a:solidFill>
-            <a:schemeClr val="accent1"/>
-          </a:solidFill>
-        </p:spPr>
-        <p:style>
-          <a:lnRef idx="2">
-            <a:schemeClr val="accent1">
-              <a:shade val="50000"/>
-            </a:schemeClr>
-          </a:lnRef>
-          <a:fillRef idx="1">
-            <a:schemeClr val="accent1"/>
-          </a:fillRef>
-          <a:effectRef idx="0">
-            <a:schemeClr val="accent1"/>
-          </a:effectRef>
-          <a:fontRef idx="minor">
-            <a:schemeClr val="lt1"/>
-          </a:fontRef>
-        </p:style>
-        <p:txBody>
-          <a:bodyPr rtlCol="0" anchor="ctr"/>
-          <a:lstStyle/>
-          <a:p>
-            <a:pPr algn="ctr"/>
-            <a:r>
-              <a:rPr lang="en-US" altLang="ko-KR" dirty="0"/>
-              <a:t>Test App1</a:t>
-            </a:r>
-            <a:endParaRPr lang="ko-KR" altLang="en-US" dirty="0"/>
-          </a:p>
-        </p:txBody>
-      </p:sp>
-      <p:sp>
-        <p:nvSpPr>
-          <p:cNvPr id="11" name="직사각형 10">
-            <a:extLst>
-              <a:ext uri="{FF2B5EF4-FFF2-40B4-BE49-F238E27FC236}">
-                <a16:creationId xmlns:a16="http://schemas.microsoft.com/office/drawing/2014/main" id="{C0BDAD69-DBB3-4C7A-9737-119172F438A4}"/>
-              </a:ext>
-            </a:extLst>
-          </p:cNvPr>
-          <p:cNvSpPr/>
-          <p:nvPr/>
-        </p:nvSpPr>
-        <p:spPr>
-          <a:xfrm>
-            <a:off x="1097634" y="3065089"/>
-            <a:ext cx="1396182" cy="298646"/>
-          </a:xfrm>
-          <a:prstGeom prst="rect">
-            <a:avLst/>
-          </a:prstGeom>
-          <a:solidFill>
-            <a:schemeClr val="accent1"/>
-          </a:solidFill>
-        </p:spPr>
-        <p:style>
-          <a:lnRef idx="2">
-            <a:schemeClr val="accent1">
-              <a:shade val="50000"/>
-            </a:schemeClr>
-          </a:lnRef>
-          <a:fillRef idx="1">
-            <a:schemeClr val="accent1"/>
-          </a:fillRef>
-          <a:effectRef idx="0">
-            <a:schemeClr val="accent1"/>
-          </a:effectRef>
-          <a:fontRef idx="minor">
-            <a:schemeClr val="lt1"/>
-          </a:fontRef>
-        </p:style>
-        <p:txBody>
-          <a:bodyPr rtlCol="0" anchor="ctr"/>
-          <a:lstStyle/>
-          <a:p>
-            <a:pPr algn="ctr"/>
-            <a:r>
-              <a:rPr lang="en-US" altLang="ko-KR" dirty="0"/>
-              <a:t>Test App2</a:t>
-            </a:r>
-            <a:endParaRPr lang="ko-KR" altLang="en-US" dirty="0"/>
-          </a:p>
-        </p:txBody>
-      </p:sp>
-      <p:sp>
-        <p:nvSpPr>
-          <p:cNvPr id="12" name="직사각형 11">
-            <a:extLst>
-              <a:ext uri="{FF2B5EF4-FFF2-40B4-BE49-F238E27FC236}">
-                <a16:creationId xmlns:a16="http://schemas.microsoft.com/office/drawing/2014/main" id="{A39B8C0D-B974-4C27-9432-BD590D05917C}"/>
-              </a:ext>
-            </a:extLst>
-          </p:cNvPr>
-          <p:cNvSpPr/>
-          <p:nvPr/>
-        </p:nvSpPr>
-        <p:spPr>
-          <a:xfrm>
-            <a:off x="1097634" y="3497786"/>
-            <a:ext cx="1396182" cy="298646"/>
-          </a:xfrm>
-          <a:prstGeom prst="rect">
-            <a:avLst/>
-          </a:prstGeom>
-          <a:solidFill>
-            <a:schemeClr val="accent1"/>
-          </a:solidFill>
-        </p:spPr>
-        <p:style>
-          <a:lnRef idx="2">
-            <a:schemeClr val="accent1">
-              <a:shade val="50000"/>
-            </a:schemeClr>
-          </a:lnRef>
-          <a:fillRef idx="1">
-            <a:schemeClr val="accent1"/>
-          </a:fillRef>
-          <a:effectRef idx="0">
-            <a:schemeClr val="accent1"/>
-          </a:effectRef>
-          <a:fontRef idx="minor">
-            <a:schemeClr val="lt1"/>
-          </a:fontRef>
-        </p:style>
-        <p:txBody>
-          <a:bodyPr rtlCol="0" anchor="ctr"/>
-          <a:lstStyle/>
-          <a:p>
-            <a:pPr algn="ctr"/>
-            <a:r>
-              <a:rPr lang="en-US" altLang="ko-KR" dirty="0"/>
-              <a:t>Scenario App..</a:t>
-            </a:r>
-            <a:endParaRPr lang="ko-KR" altLang="en-US" dirty="0"/>
-          </a:p>
-        </p:txBody>
-      </p:sp>
-      <p:sp>
-        <p:nvSpPr>
-          <p:cNvPr id="21" name="직사각형 20">
-            <a:extLst>
-              <a:ext uri="{FF2B5EF4-FFF2-40B4-BE49-F238E27FC236}">
-                <a16:creationId xmlns:a16="http://schemas.microsoft.com/office/drawing/2014/main" id="{3875F5F4-1124-45B1-89D4-D474CBE2D123}"/>
-              </a:ext>
-            </a:extLst>
-          </p:cNvPr>
-          <p:cNvSpPr/>
-          <p:nvPr/>
-        </p:nvSpPr>
-        <p:spPr>
-          <a:xfrm>
-            <a:off x="625995" y="1709761"/>
-            <a:ext cx="1396182" cy="298646"/>
-          </a:xfrm>
-          <a:prstGeom prst="rect">
-            <a:avLst/>
-          </a:prstGeom>
-          <a:solidFill>
-            <a:schemeClr val="accent1"/>
-          </a:solidFill>
-        </p:spPr>
-        <p:style>
-          <a:lnRef idx="2">
-            <a:schemeClr val="accent1">
-              <a:shade val="50000"/>
-            </a:schemeClr>
-          </a:lnRef>
-          <a:fillRef idx="1">
-            <a:schemeClr val="accent1"/>
-          </a:fillRef>
-          <a:effectRef idx="0">
-            <a:schemeClr val="accent1"/>
-          </a:effectRef>
-          <a:fontRef idx="minor">
-            <a:schemeClr val="lt1"/>
-          </a:fontRef>
-        </p:style>
-        <p:txBody>
-          <a:bodyPr rtlCol="0" anchor="ctr"/>
-          <a:lstStyle/>
-          <a:p>
-            <a:pPr algn="ctr"/>
-            <a:r>
-              <a:rPr lang="en-US" altLang="ko-KR" dirty="0"/>
-              <a:t>App Factory</a:t>
-            </a:r>
-            <a:endParaRPr lang="ko-KR" altLang="en-US" dirty="0"/>
-          </a:p>
-        </p:txBody>
-      </p:sp>
-      <p:sp>
-        <p:nvSpPr>
-          <p:cNvPr id="2" name="TextBox 1">
-            <a:extLst>
-              <a:ext uri="{FF2B5EF4-FFF2-40B4-BE49-F238E27FC236}">
-                <a16:creationId xmlns:a16="http://schemas.microsoft.com/office/drawing/2014/main" id="{B2694D26-2907-4997-A804-D0C77C6C538A}"/>
-              </a:ext>
-            </a:extLst>
-          </p:cNvPr>
-          <p:cNvSpPr txBox="1"/>
-          <p:nvPr/>
-        </p:nvSpPr>
-        <p:spPr>
-          <a:xfrm>
-            <a:off x="223985" y="1116824"/>
-            <a:ext cx="771365" cy="307777"/>
-          </a:xfrm>
-          <a:prstGeom prst="rect">
-            <a:avLst/>
-          </a:prstGeom>
-          <a:noFill/>
+            <a:off x="521139" y="959943"/>
+            <a:ext cx="10515600" cy="4927686"/>
+          </a:xfrm>
         </p:spPr>
         <p:txBody>
-          <a:bodyPr wrap="none" rtlCol="0">
-            <a:spAutoFit/>
+          <a:bodyPr>
+            <a:normAutofit/>
           </a:bodyPr>
           <a:lstStyle/>
           <a:p>
             <a:r>
-              <a:rPr lang="en-US" altLang="ko-KR" dirty="0"/>
-              <a:t>Runner</a:t>
-            </a:r>
-            <a:endParaRPr lang="ko-KR" altLang="en-US" dirty="0"/>
-          </a:p>
-        </p:txBody>
-      </p:sp>
-      <p:sp>
-        <p:nvSpPr>
-          <p:cNvPr id="23" name="TextBox 22">
-            <a:extLst>
-              <a:ext uri="{FF2B5EF4-FFF2-40B4-BE49-F238E27FC236}">
-                <a16:creationId xmlns:a16="http://schemas.microsoft.com/office/drawing/2014/main" id="{EDEEAAA5-50DD-46CC-8B73-64C2070C14B2}"/>
-              </a:ext>
-            </a:extLst>
-          </p:cNvPr>
-          <p:cNvSpPr txBox="1"/>
-          <p:nvPr/>
-        </p:nvSpPr>
-        <p:spPr>
-          <a:xfrm>
-            <a:off x="318327" y="4564988"/>
-            <a:ext cx="3191899" cy="738664"/>
-          </a:xfrm>
-          <a:prstGeom prst="rect">
-            <a:avLst/>
-          </a:prstGeom>
-          <a:noFill/>
-        </p:spPr>
-        <p:txBody>
-          <a:bodyPr wrap="none" rtlCol="0">
-            <a:spAutoFit/>
-          </a:bodyPr>
-          <a:lstStyle/>
-          <a:p>
-            <a:pPr marL="285750" indent="-285750">
-              <a:buFont typeface="Arial" panose="020B0604020202020204" pitchFamily="34" charset="0"/>
-              <a:buChar char="•"/>
-            </a:pPr>
-            <a:r>
-              <a:rPr lang="en-US" altLang="ko-KR" dirty="0"/>
-              <a:t>App Factory</a:t>
-            </a:r>
-            <a:r>
-              <a:rPr lang="ko-KR" altLang="en-US" dirty="0"/>
-              <a:t>에서 </a:t>
-            </a:r>
-            <a:r>
-              <a:rPr lang="en-US" altLang="ko-KR" dirty="0"/>
-              <a:t>app </a:t>
-            </a:r>
-            <a:r>
-              <a:rPr lang="ko-KR" altLang="en-US" dirty="0"/>
-              <a:t>생성 및 등록</a:t>
-            </a:r>
-            <a:endParaRPr lang="en-US" altLang="ko-KR" dirty="0"/>
-          </a:p>
-          <a:p>
-            <a:pPr marL="285750" indent="-285750">
-              <a:buFont typeface="Arial" panose="020B0604020202020204" pitchFamily="34" charset="0"/>
-              <a:buChar char="•"/>
-            </a:pPr>
-            <a:r>
-              <a:rPr lang="en-US" altLang="ko-KR" dirty="0"/>
-              <a:t>Runner</a:t>
-            </a:r>
-            <a:r>
-              <a:rPr lang="ko-KR" altLang="en-US" dirty="0"/>
+              <a:rPr lang="ko-KR" altLang="en-US" sz="2000" dirty="0"/>
+              <a:t>새로운 </a:t>
+            </a:r>
+            <a:r>
+              <a:rPr lang="en-US" altLang="ko-KR" sz="2000" dirty="0"/>
+              <a:t>shell command </a:t>
+            </a:r>
+            <a:r>
+              <a:rPr lang="ko-KR" altLang="en-US" sz="2000" dirty="0"/>
+              <a:t>추가가 용이하도록 </a:t>
+            </a:r>
+            <a:r>
+              <a:rPr lang="en-US" altLang="ko-KR" sz="2000" dirty="0" err="1"/>
+              <a:t>ICommand</a:t>
+            </a:r>
+            <a:r>
+              <a:rPr lang="en-US" altLang="ko-KR" sz="2000" dirty="0"/>
+              <a:t> </a:t>
+            </a:r>
+            <a:r>
+              <a:rPr lang="ko-KR" altLang="en-US" sz="2000" dirty="0"/>
+              <a:t>인터페이스 추상화 </a:t>
+            </a:r>
+            <a:endParaRPr lang="en-US" altLang="ko-KR" sz="2000" dirty="0"/>
+          </a:p>
+          <a:p>
+            <a:r>
+              <a:rPr lang="en-US" altLang="ko-KR" sz="2000" dirty="0"/>
+              <a:t>Invoker (</a:t>
+            </a:r>
+            <a:r>
+              <a:rPr lang="en-US" altLang="ko-KR" sz="2000" dirty="0" err="1"/>
+              <a:t>TestShell</a:t>
+            </a:r>
+            <a:r>
+              <a:rPr lang="en-US" altLang="ko-KR" sz="2000" dirty="0"/>
+              <a:t> / Application) –&gt; </a:t>
+            </a:r>
+            <a:r>
+              <a:rPr lang="en-US" altLang="ko-KR" sz="2000" dirty="0" err="1"/>
+              <a:t>ICommand</a:t>
+            </a:r>
+            <a:r>
+              <a:rPr lang="en-US" altLang="ko-KR" sz="2000" dirty="0"/>
+              <a:t> </a:t>
+            </a:r>
+            <a:r>
+              <a:rPr lang="ko-KR" altLang="en-US" sz="2000" dirty="0"/>
               <a:t>의 </a:t>
             </a:r>
             <a:r>
-              <a:rPr lang="en-US" altLang="ko-KR" dirty="0"/>
-              <a:t>run</a:t>
-            </a:r>
-            <a:r>
-              <a:rPr lang="ko-KR" altLang="en-US" dirty="0"/>
-              <a:t>에서 </a:t>
-            </a:r>
-            <a:r>
-              <a:rPr lang="en-US" altLang="ko-KR" dirty="0"/>
-              <a:t>app</a:t>
-            </a:r>
-            <a:r>
-              <a:rPr lang="ko-KR" altLang="en-US" dirty="0"/>
-              <a:t>의 </a:t>
-            </a:r>
-            <a:r>
-              <a:rPr lang="en-US" altLang="ko-KR" dirty="0"/>
-              <a:t>run </a:t>
-            </a:r>
-            <a:r>
-              <a:rPr lang="ko-KR" altLang="en-US" dirty="0"/>
-              <a:t>수행</a:t>
-            </a:r>
-            <a:endParaRPr lang="en-US" altLang="ko-KR" dirty="0"/>
-          </a:p>
-          <a:p>
-            <a:pPr marL="285750" indent="-285750">
-              <a:buFont typeface="Arial" panose="020B0604020202020204" pitchFamily="34" charset="0"/>
-              <a:buChar char="•"/>
-            </a:pPr>
-            <a:r>
-              <a:rPr lang="ko-KR" altLang="en-US" dirty="0" err="1"/>
-              <a:t>다형성</a:t>
-            </a:r>
-            <a:r>
-              <a:rPr lang="ko-KR" altLang="en-US" dirty="0"/>
-              <a:t> 활용</a:t>
-            </a:r>
-          </a:p>
-        </p:txBody>
-      </p:sp>
-      <p:sp>
-        <p:nvSpPr>
-          <p:cNvPr id="26" name="직사각형 25">
-            <a:extLst>
-              <a:ext uri="{FF2B5EF4-FFF2-40B4-BE49-F238E27FC236}">
-                <a16:creationId xmlns:a16="http://schemas.microsoft.com/office/drawing/2014/main" id="{BCDC7359-EC63-4125-B18F-EC226B8734DC}"/>
-              </a:ext>
-            </a:extLst>
-          </p:cNvPr>
-          <p:cNvSpPr/>
-          <p:nvPr/>
-        </p:nvSpPr>
-        <p:spPr>
-          <a:xfrm>
-            <a:off x="3098156" y="1675265"/>
-            <a:ext cx="1396182" cy="298646"/>
-          </a:xfrm>
-          <a:prstGeom prst="rect">
-            <a:avLst/>
-          </a:prstGeom>
-          <a:solidFill>
-            <a:schemeClr val="accent1"/>
-          </a:solidFill>
-        </p:spPr>
-        <p:style>
-          <a:lnRef idx="2">
-            <a:schemeClr val="accent1">
-              <a:shade val="50000"/>
-            </a:schemeClr>
-          </a:lnRef>
-          <a:fillRef idx="1">
-            <a:schemeClr val="accent1"/>
-          </a:fillRef>
-          <a:effectRef idx="0">
-            <a:schemeClr val="accent1"/>
-          </a:effectRef>
-          <a:fontRef idx="minor">
-            <a:schemeClr val="lt1"/>
-          </a:fontRef>
-        </p:style>
-        <p:txBody>
-          <a:bodyPr rtlCol="0" anchor="ctr"/>
-          <a:lstStyle/>
-          <a:p>
-            <a:pPr algn="ctr"/>
-            <a:r>
-              <a:rPr lang="en-US" altLang="ko-KR" dirty="0"/>
-              <a:t>Runner</a:t>
-            </a:r>
-            <a:r>
-              <a:rPr lang="ko-KR" altLang="en-US" dirty="0"/>
+              <a:rPr lang="en-US" altLang="ko-KR" sz="2000" dirty="0"/>
+              <a:t>command pattern </a:t>
+            </a:r>
+            <a:r>
+              <a:rPr lang="ko-KR" altLang="en-US" sz="2000" dirty="0"/>
+              <a:t>적용</a:t>
+            </a:r>
+            <a:endParaRPr lang="en-US" altLang="ko-KR" sz="2000" dirty="0"/>
+          </a:p>
+          <a:p>
+            <a:r>
+              <a:rPr lang="ko-KR" altLang="en-US" sz="2000" dirty="0"/>
+              <a:t>유효성 검사를 개별 </a:t>
+            </a:r>
+            <a:r>
+              <a:rPr lang="en-US" altLang="ko-KR" sz="2000" dirty="0"/>
+              <a:t>concreate command </a:t>
+            </a:r>
+            <a:r>
+              <a:rPr lang="ko-KR" altLang="en-US" sz="2000" dirty="0"/>
+              <a:t>객체에 위임</a:t>
+            </a:r>
+            <a:endParaRPr lang="en-US" altLang="ko-KR" sz="2000" dirty="0"/>
+          </a:p>
+          <a:p>
+            <a:r>
+              <a:rPr lang="en-US" altLang="ko-KR" sz="2000" dirty="0" err="1"/>
+              <a:t>CommandFactory</a:t>
+            </a:r>
+            <a:r>
+              <a:rPr lang="en-US" altLang="ko-KR" sz="2000" dirty="0"/>
               <a:t> </a:t>
             </a:r>
             <a:r>
-              <a:rPr lang="en-US" altLang="ko-KR" dirty="0"/>
-              <a:t>Run</a:t>
-            </a:r>
-            <a:endParaRPr lang="ko-KR" altLang="en-US" dirty="0"/>
-          </a:p>
-        </p:txBody>
-      </p:sp>
-      <p:sp>
-        <p:nvSpPr>
-          <p:cNvPr id="28" name="직사각형 27">
-            <a:extLst>
-              <a:ext uri="{FF2B5EF4-FFF2-40B4-BE49-F238E27FC236}">
-                <a16:creationId xmlns:a16="http://schemas.microsoft.com/office/drawing/2014/main" id="{1C1048E0-C18E-48C3-89B9-DFB2486F6D3B}"/>
-              </a:ext>
-            </a:extLst>
-          </p:cNvPr>
-          <p:cNvSpPr/>
-          <p:nvPr/>
-        </p:nvSpPr>
-        <p:spPr>
-          <a:xfrm>
-            <a:off x="3510226" y="2185090"/>
-            <a:ext cx="1396182" cy="298646"/>
-          </a:xfrm>
-          <a:prstGeom prst="rect">
-            <a:avLst/>
-          </a:prstGeom>
-          <a:solidFill>
-            <a:schemeClr val="accent1"/>
-          </a:solidFill>
-        </p:spPr>
-        <p:style>
-          <a:lnRef idx="2">
-            <a:schemeClr val="accent1">
-              <a:shade val="50000"/>
-            </a:schemeClr>
-          </a:lnRef>
-          <a:fillRef idx="1">
-            <a:schemeClr val="accent1"/>
-          </a:fillRef>
-          <a:effectRef idx="0">
-            <a:schemeClr val="accent1"/>
-          </a:effectRef>
-          <a:fontRef idx="minor">
-            <a:schemeClr val="lt1"/>
-          </a:fontRef>
-        </p:style>
-        <p:txBody>
-          <a:bodyPr rtlCol="0" anchor="ctr"/>
-          <a:lstStyle/>
-          <a:p>
-            <a:pPr algn="ctr"/>
-            <a:r>
-              <a:rPr lang="en-US" altLang="ko-KR" dirty="0"/>
-              <a:t>App-&gt;Run </a:t>
-            </a:r>
-            <a:r>
-              <a:rPr lang="ko-KR" altLang="en-US" dirty="0"/>
-              <a:t>실행</a:t>
-            </a:r>
-          </a:p>
-        </p:txBody>
-      </p:sp>
-      <p:sp>
-        <p:nvSpPr>
-          <p:cNvPr id="32" name="직사각형 31">
-            <a:extLst>
-              <a:ext uri="{FF2B5EF4-FFF2-40B4-BE49-F238E27FC236}">
-                <a16:creationId xmlns:a16="http://schemas.microsoft.com/office/drawing/2014/main" id="{01BFCC00-E9D5-4C72-B1EC-E6E4EBA42583}"/>
-              </a:ext>
-            </a:extLst>
-          </p:cNvPr>
-          <p:cNvSpPr/>
-          <p:nvPr/>
-        </p:nvSpPr>
-        <p:spPr>
-          <a:xfrm>
-            <a:off x="7763674" y="1576481"/>
-            <a:ext cx="1396182" cy="298646"/>
-          </a:xfrm>
-          <a:prstGeom prst="rect">
-            <a:avLst/>
-          </a:prstGeom>
-          <a:solidFill>
-            <a:schemeClr val="accent1"/>
-          </a:solidFill>
-        </p:spPr>
-        <p:style>
-          <a:lnRef idx="2">
-            <a:schemeClr val="accent1">
-              <a:shade val="50000"/>
-            </a:schemeClr>
-          </a:lnRef>
-          <a:fillRef idx="1">
-            <a:schemeClr val="accent1"/>
-          </a:fillRef>
-          <a:effectRef idx="0">
-            <a:schemeClr val="accent1"/>
-          </a:effectRef>
-          <a:fontRef idx="minor">
-            <a:schemeClr val="lt1"/>
-          </a:fontRef>
-        </p:style>
-        <p:txBody>
-          <a:bodyPr rtlCol="0" anchor="ctr"/>
-          <a:lstStyle/>
-          <a:p>
-            <a:pPr algn="ctr"/>
-            <a:r>
-              <a:rPr lang="en-US" altLang="ko-KR" dirty="0" err="1"/>
-              <a:t>IApplication</a:t>
-            </a:r>
-            <a:endParaRPr lang="ko-KR" altLang="en-US" dirty="0"/>
-          </a:p>
-        </p:txBody>
-      </p:sp>
-      <p:sp>
-        <p:nvSpPr>
-          <p:cNvPr id="35" name="직사각형 34">
-            <a:extLst>
-              <a:ext uri="{FF2B5EF4-FFF2-40B4-BE49-F238E27FC236}">
-                <a16:creationId xmlns:a16="http://schemas.microsoft.com/office/drawing/2014/main" id="{9270DB87-9E8E-4A8C-B8C3-186427FA563C}"/>
-              </a:ext>
-            </a:extLst>
-          </p:cNvPr>
-          <p:cNvSpPr/>
-          <p:nvPr/>
-        </p:nvSpPr>
-        <p:spPr>
-          <a:xfrm>
-            <a:off x="5845332" y="2337238"/>
-            <a:ext cx="1396182" cy="298646"/>
-          </a:xfrm>
-          <a:prstGeom prst="rect">
-            <a:avLst/>
-          </a:prstGeom>
-          <a:solidFill>
-            <a:schemeClr val="accent1"/>
-          </a:solidFill>
-        </p:spPr>
-        <p:style>
-          <a:lnRef idx="2">
-            <a:schemeClr val="accent1">
-              <a:shade val="50000"/>
-            </a:schemeClr>
-          </a:lnRef>
-          <a:fillRef idx="1">
-            <a:schemeClr val="accent1"/>
-          </a:fillRef>
-          <a:effectRef idx="0">
-            <a:schemeClr val="accent1"/>
-          </a:effectRef>
-          <a:fontRef idx="minor">
-            <a:schemeClr val="lt1"/>
-          </a:fontRef>
-        </p:style>
-        <p:txBody>
-          <a:bodyPr rtlCol="0" anchor="ctr"/>
-          <a:lstStyle/>
-          <a:p>
-            <a:pPr algn="ctr"/>
-            <a:r>
-              <a:rPr lang="en-US" altLang="ko-KR" dirty="0" err="1"/>
-              <a:t>TestApplication</a:t>
-            </a:r>
-            <a:endParaRPr lang="ko-KR" altLang="en-US" dirty="0"/>
-          </a:p>
-        </p:txBody>
-      </p:sp>
-      <p:sp>
-        <p:nvSpPr>
-          <p:cNvPr id="36" name="직사각형 35">
-            <a:extLst>
-              <a:ext uri="{FF2B5EF4-FFF2-40B4-BE49-F238E27FC236}">
-                <a16:creationId xmlns:a16="http://schemas.microsoft.com/office/drawing/2014/main" id="{E95384CA-5914-4B7D-8AA1-90DA28B4D1E0}"/>
-              </a:ext>
-            </a:extLst>
-          </p:cNvPr>
-          <p:cNvSpPr/>
-          <p:nvPr/>
-        </p:nvSpPr>
-        <p:spPr>
-          <a:xfrm>
-            <a:off x="7380337" y="2337238"/>
-            <a:ext cx="1396182" cy="298646"/>
-          </a:xfrm>
-          <a:prstGeom prst="rect">
-            <a:avLst/>
-          </a:prstGeom>
-          <a:solidFill>
-            <a:schemeClr val="accent1"/>
-          </a:solidFill>
-        </p:spPr>
-        <p:style>
-          <a:lnRef idx="2">
-            <a:schemeClr val="accent1">
-              <a:shade val="50000"/>
-            </a:schemeClr>
-          </a:lnRef>
-          <a:fillRef idx="1">
-            <a:schemeClr val="accent1"/>
-          </a:fillRef>
-          <a:effectRef idx="0">
-            <a:schemeClr val="accent1"/>
-          </a:effectRef>
-          <a:fontRef idx="minor">
-            <a:schemeClr val="lt1"/>
-          </a:fontRef>
-        </p:style>
-        <p:txBody>
-          <a:bodyPr rtlCol="0" anchor="ctr"/>
-          <a:lstStyle/>
-          <a:p>
-            <a:pPr algn="ctr"/>
-            <a:r>
-              <a:rPr lang="en-US" altLang="ko-KR" dirty="0"/>
-              <a:t>Test App1</a:t>
-            </a:r>
-            <a:endParaRPr lang="ko-KR" altLang="en-US" dirty="0"/>
-          </a:p>
-        </p:txBody>
-      </p:sp>
-      <p:sp>
-        <p:nvSpPr>
-          <p:cNvPr id="37" name="직사각형 36">
-            <a:extLst>
-              <a:ext uri="{FF2B5EF4-FFF2-40B4-BE49-F238E27FC236}">
-                <a16:creationId xmlns:a16="http://schemas.microsoft.com/office/drawing/2014/main" id="{84A8D555-7F8B-4D3E-9839-0FCCDCF0D786}"/>
-              </a:ext>
-            </a:extLst>
-          </p:cNvPr>
-          <p:cNvSpPr/>
-          <p:nvPr/>
-        </p:nvSpPr>
-        <p:spPr>
-          <a:xfrm>
-            <a:off x="8915342" y="2326489"/>
-            <a:ext cx="1396182" cy="298646"/>
-          </a:xfrm>
-          <a:prstGeom prst="rect">
-            <a:avLst/>
-          </a:prstGeom>
-          <a:solidFill>
-            <a:schemeClr val="accent1"/>
-          </a:solidFill>
-        </p:spPr>
-        <p:style>
-          <a:lnRef idx="2">
-            <a:schemeClr val="accent1">
-              <a:shade val="50000"/>
-            </a:schemeClr>
-          </a:lnRef>
-          <a:fillRef idx="1">
-            <a:schemeClr val="accent1"/>
-          </a:fillRef>
-          <a:effectRef idx="0">
-            <a:schemeClr val="accent1"/>
-          </a:effectRef>
-          <a:fontRef idx="minor">
-            <a:schemeClr val="lt1"/>
-          </a:fontRef>
-        </p:style>
-        <p:txBody>
-          <a:bodyPr rtlCol="0" anchor="ctr"/>
-          <a:lstStyle/>
-          <a:p>
-            <a:pPr algn="ctr"/>
-            <a:r>
-              <a:rPr lang="en-US" altLang="ko-KR" dirty="0"/>
-              <a:t>Test App2</a:t>
-            </a:r>
-            <a:endParaRPr lang="ko-KR" altLang="en-US" dirty="0"/>
-          </a:p>
-        </p:txBody>
-      </p:sp>
-      <p:sp>
-        <p:nvSpPr>
-          <p:cNvPr id="38" name="직사각형 37">
-            <a:extLst>
-              <a:ext uri="{FF2B5EF4-FFF2-40B4-BE49-F238E27FC236}">
-                <a16:creationId xmlns:a16="http://schemas.microsoft.com/office/drawing/2014/main" id="{EF9274C5-72EF-4BB1-83E8-B3C01CD3C5D4}"/>
-              </a:ext>
-            </a:extLst>
-          </p:cNvPr>
-          <p:cNvSpPr/>
-          <p:nvPr/>
-        </p:nvSpPr>
-        <p:spPr>
-          <a:xfrm>
-            <a:off x="10428806" y="2337238"/>
-            <a:ext cx="1396182" cy="298646"/>
-          </a:xfrm>
-          <a:prstGeom prst="rect">
-            <a:avLst/>
-          </a:prstGeom>
-          <a:solidFill>
-            <a:schemeClr val="accent1"/>
-          </a:solidFill>
-        </p:spPr>
-        <p:style>
-          <a:lnRef idx="2">
-            <a:schemeClr val="accent1">
-              <a:shade val="50000"/>
-            </a:schemeClr>
-          </a:lnRef>
-          <a:fillRef idx="1">
-            <a:schemeClr val="accent1"/>
-          </a:fillRef>
-          <a:effectRef idx="0">
-            <a:schemeClr val="accent1"/>
-          </a:effectRef>
-          <a:fontRef idx="minor">
-            <a:schemeClr val="lt1"/>
-          </a:fontRef>
-        </p:style>
-        <p:txBody>
-          <a:bodyPr rtlCol="0" anchor="ctr"/>
-          <a:lstStyle/>
-          <a:p>
-            <a:pPr algn="ctr"/>
-            <a:r>
-              <a:rPr lang="en-US" altLang="ko-KR" dirty="0"/>
-              <a:t>Scenario App..</a:t>
-            </a:r>
-            <a:endParaRPr lang="ko-KR" altLang="en-US" dirty="0"/>
-          </a:p>
-        </p:txBody>
-      </p:sp>
-      <p:sp>
-        <p:nvSpPr>
-          <p:cNvPr id="4" name="TextBox 3">
-            <a:extLst>
-              <a:ext uri="{FF2B5EF4-FFF2-40B4-BE49-F238E27FC236}">
-                <a16:creationId xmlns:a16="http://schemas.microsoft.com/office/drawing/2014/main" id="{BCAFF8E4-E75C-48FD-A004-A7CB6BAF2204}"/>
-              </a:ext>
-            </a:extLst>
-          </p:cNvPr>
-          <p:cNvSpPr txBox="1"/>
-          <p:nvPr/>
-        </p:nvSpPr>
-        <p:spPr>
-          <a:xfrm>
-            <a:off x="6096000" y="2888497"/>
-            <a:ext cx="5480988" cy="1169551"/>
-          </a:xfrm>
-          <a:prstGeom prst="rect">
-            <a:avLst/>
-          </a:prstGeom>
-          <a:noFill/>
-        </p:spPr>
-        <p:txBody>
-          <a:bodyPr wrap="none" rtlCol="0">
-            <a:spAutoFit/>
-          </a:bodyPr>
-          <a:lstStyle/>
-          <a:p>
-            <a:r>
-              <a:rPr lang="en-US" altLang="ko-KR" dirty="0">
-                <a:solidFill>
-                  <a:srgbClr val="0000FF"/>
-                </a:solidFill>
-                <a:latin typeface="돋움체" panose="020B0609000101010101" pitchFamily="49" charset="-127"/>
-                <a:ea typeface="돋움체" panose="020B0609000101010101" pitchFamily="49" charset="-127"/>
-              </a:rPr>
-              <a:t>class</a:t>
-            </a:r>
-            <a:r>
-              <a:rPr lang="en-US" altLang="ko-KR" dirty="0">
-                <a:solidFill>
-                  <a:srgbClr val="000000"/>
-                </a:solidFill>
-                <a:latin typeface="돋움체" panose="020B0609000101010101" pitchFamily="49" charset="-127"/>
-                <a:ea typeface="돋움체" panose="020B0609000101010101" pitchFamily="49" charset="-127"/>
-              </a:rPr>
-              <a:t> </a:t>
-            </a:r>
-            <a:r>
-              <a:rPr lang="en-US" altLang="ko-KR" dirty="0" err="1">
-                <a:solidFill>
-                  <a:srgbClr val="2B91AF"/>
-                </a:solidFill>
-                <a:latin typeface="돋움체" panose="020B0609000101010101" pitchFamily="49" charset="-127"/>
-                <a:ea typeface="돋움체" panose="020B0609000101010101" pitchFamily="49" charset="-127"/>
-              </a:rPr>
-              <a:t>IApplication</a:t>
-            </a:r>
-            <a:endParaRPr lang="en-US" altLang="ko-KR" dirty="0">
-              <a:solidFill>
-                <a:srgbClr val="000000"/>
-              </a:solidFill>
-              <a:latin typeface="돋움체" panose="020B0609000101010101" pitchFamily="49" charset="-127"/>
-              <a:ea typeface="돋움체" panose="020B0609000101010101" pitchFamily="49" charset="-127"/>
-            </a:endParaRPr>
-          </a:p>
-          <a:p>
-            <a:r>
-              <a:rPr lang="en-US" altLang="ko-KR" dirty="0">
-                <a:solidFill>
-                  <a:srgbClr val="000000"/>
-                </a:solidFill>
-                <a:latin typeface="돋움체" panose="020B0609000101010101" pitchFamily="49" charset="-127"/>
-                <a:ea typeface="돋움체" panose="020B0609000101010101" pitchFamily="49" charset="-127"/>
-              </a:rPr>
-              <a:t>{</a:t>
-            </a:r>
-          </a:p>
-          <a:p>
-            <a:r>
-              <a:rPr lang="en-US" altLang="ko-KR" dirty="0">
-                <a:solidFill>
-                  <a:srgbClr val="0000FF"/>
-                </a:solidFill>
-                <a:latin typeface="돋움체" panose="020B0609000101010101" pitchFamily="49" charset="-127"/>
-                <a:ea typeface="돋움체" panose="020B0609000101010101" pitchFamily="49" charset="-127"/>
-              </a:rPr>
-              <a:t>public</a:t>
-            </a:r>
-            <a:r>
-              <a:rPr lang="en-US" altLang="ko-KR" dirty="0">
-                <a:solidFill>
-                  <a:srgbClr val="000000"/>
-                </a:solidFill>
-                <a:latin typeface="돋움체" panose="020B0609000101010101" pitchFamily="49" charset="-127"/>
-                <a:ea typeface="돋움체" panose="020B0609000101010101" pitchFamily="49" charset="-127"/>
-              </a:rPr>
-              <a:t>:</a:t>
-            </a:r>
-          </a:p>
-          <a:p>
-            <a:r>
-              <a:rPr lang="en-US" altLang="ko-KR" dirty="0">
-                <a:solidFill>
-                  <a:srgbClr val="0000FF"/>
-                </a:solidFill>
-                <a:latin typeface="돋움체" panose="020B0609000101010101" pitchFamily="49" charset="-127"/>
-                <a:ea typeface="돋움체" panose="020B0609000101010101" pitchFamily="49" charset="-127"/>
-              </a:rPr>
-              <a:t>virtual</a:t>
-            </a:r>
-            <a:r>
-              <a:rPr lang="en-US" altLang="ko-KR" dirty="0">
-                <a:solidFill>
-                  <a:srgbClr val="000000"/>
-                </a:solidFill>
-                <a:latin typeface="돋움체" panose="020B0609000101010101" pitchFamily="49" charset="-127"/>
-                <a:ea typeface="돋움체" panose="020B0609000101010101" pitchFamily="49" charset="-127"/>
-              </a:rPr>
-              <a:t> ~</a:t>
-            </a:r>
-            <a:r>
-              <a:rPr lang="en-US" altLang="ko-KR" dirty="0" err="1">
-                <a:solidFill>
-                  <a:srgbClr val="000000"/>
-                </a:solidFill>
-                <a:latin typeface="돋움체" panose="020B0609000101010101" pitchFamily="49" charset="-127"/>
-                <a:ea typeface="돋움체" panose="020B0609000101010101" pitchFamily="49" charset="-127"/>
-              </a:rPr>
-              <a:t>IApplication</a:t>
-            </a:r>
-            <a:r>
-              <a:rPr lang="en-US" altLang="ko-KR" dirty="0">
-                <a:solidFill>
-                  <a:srgbClr val="000000"/>
-                </a:solidFill>
-                <a:latin typeface="돋움체" panose="020B0609000101010101" pitchFamily="49" charset="-127"/>
-                <a:ea typeface="돋움체" panose="020B0609000101010101" pitchFamily="49" charset="-127"/>
-              </a:rPr>
-              <a:t>() = </a:t>
-            </a:r>
-            <a:r>
-              <a:rPr lang="en-US" altLang="ko-KR" dirty="0">
-                <a:solidFill>
-                  <a:srgbClr val="0000FF"/>
-                </a:solidFill>
-                <a:latin typeface="돋움체" panose="020B0609000101010101" pitchFamily="49" charset="-127"/>
-                <a:ea typeface="돋움체" panose="020B0609000101010101" pitchFamily="49" charset="-127"/>
-              </a:rPr>
-              <a:t>default</a:t>
-            </a:r>
-            <a:r>
-              <a:rPr lang="en-US" altLang="ko-KR" dirty="0">
-                <a:solidFill>
-                  <a:srgbClr val="000000"/>
-                </a:solidFill>
-                <a:latin typeface="돋움체" panose="020B0609000101010101" pitchFamily="49" charset="-127"/>
-                <a:ea typeface="돋움체" panose="020B0609000101010101" pitchFamily="49" charset="-127"/>
-              </a:rPr>
-              <a:t>;</a:t>
-            </a:r>
-          </a:p>
-          <a:p>
-            <a:r>
-              <a:rPr lang="en-US" altLang="ko-KR" dirty="0">
-                <a:solidFill>
-                  <a:srgbClr val="0000FF"/>
-                </a:solidFill>
-                <a:latin typeface="돋움체" panose="020B0609000101010101" pitchFamily="49" charset="-127"/>
-                <a:ea typeface="돋움체" panose="020B0609000101010101" pitchFamily="49" charset="-127"/>
-              </a:rPr>
-              <a:t>virtual</a:t>
-            </a:r>
-            <a:r>
-              <a:rPr lang="en-US" altLang="ko-KR" dirty="0">
-                <a:solidFill>
-                  <a:srgbClr val="000000"/>
-                </a:solidFill>
-                <a:latin typeface="돋움체" panose="020B0609000101010101" pitchFamily="49" charset="-127"/>
-                <a:ea typeface="돋움체" panose="020B0609000101010101" pitchFamily="49" charset="-127"/>
-              </a:rPr>
-              <a:t> </a:t>
-            </a:r>
-            <a:r>
-              <a:rPr lang="en-US" altLang="ko-KR" dirty="0">
-                <a:solidFill>
-                  <a:srgbClr val="0000FF"/>
-                </a:solidFill>
-                <a:latin typeface="돋움체" panose="020B0609000101010101" pitchFamily="49" charset="-127"/>
-                <a:ea typeface="돋움체" panose="020B0609000101010101" pitchFamily="49" charset="-127"/>
-              </a:rPr>
-              <a:t>bool</a:t>
-            </a:r>
-            <a:r>
-              <a:rPr lang="en-US" altLang="ko-KR" dirty="0">
-                <a:solidFill>
-                  <a:srgbClr val="000000"/>
-                </a:solidFill>
-                <a:latin typeface="돋움체" panose="020B0609000101010101" pitchFamily="49" charset="-127"/>
-                <a:ea typeface="돋움체" panose="020B0609000101010101" pitchFamily="49" charset="-127"/>
-              </a:rPr>
-              <a:t> run(</a:t>
-            </a:r>
-            <a:r>
-              <a:rPr lang="en-US" altLang="ko-KR" dirty="0">
-                <a:solidFill>
-                  <a:srgbClr val="0000FF"/>
-                </a:solidFill>
-                <a:latin typeface="돋움체" panose="020B0609000101010101" pitchFamily="49" charset="-127"/>
-                <a:ea typeface="돋움체" panose="020B0609000101010101" pitchFamily="49" charset="-127"/>
-              </a:rPr>
-              <a:t>const</a:t>
-            </a:r>
-            <a:r>
-              <a:rPr lang="en-US" altLang="ko-KR" dirty="0">
-                <a:solidFill>
-                  <a:srgbClr val="000000"/>
-                </a:solidFill>
-                <a:latin typeface="돋움체" panose="020B0609000101010101" pitchFamily="49" charset="-127"/>
-                <a:ea typeface="돋움체" panose="020B0609000101010101" pitchFamily="49" charset="-127"/>
-              </a:rPr>
-              <a:t> std::</a:t>
-            </a:r>
-            <a:r>
-              <a:rPr lang="en-US" altLang="ko-KR" dirty="0">
-                <a:solidFill>
-                  <a:srgbClr val="2B91AF"/>
-                </a:solidFill>
-                <a:latin typeface="돋움체" panose="020B0609000101010101" pitchFamily="49" charset="-127"/>
-                <a:ea typeface="돋움체" panose="020B0609000101010101" pitchFamily="49" charset="-127"/>
-              </a:rPr>
-              <a:t>vector</a:t>
-            </a:r>
-            <a:r>
-              <a:rPr lang="en-US" altLang="ko-KR" dirty="0">
-                <a:solidFill>
-                  <a:srgbClr val="000000"/>
-                </a:solidFill>
-                <a:latin typeface="돋움체" panose="020B0609000101010101" pitchFamily="49" charset="-127"/>
-                <a:ea typeface="돋움체" panose="020B0609000101010101" pitchFamily="49" charset="-127"/>
-              </a:rPr>
-              <a:t>&lt;std::</a:t>
-            </a:r>
-            <a:r>
-              <a:rPr lang="en-US" altLang="ko-KR" dirty="0">
-                <a:solidFill>
-                  <a:srgbClr val="2B91AF"/>
-                </a:solidFill>
-                <a:latin typeface="돋움체" panose="020B0609000101010101" pitchFamily="49" charset="-127"/>
-                <a:ea typeface="돋움체" panose="020B0609000101010101" pitchFamily="49" charset="-127"/>
-              </a:rPr>
-              <a:t>string</a:t>
-            </a:r>
-            <a:r>
-              <a:rPr lang="en-US" altLang="ko-KR" dirty="0">
-                <a:solidFill>
-                  <a:srgbClr val="000000"/>
-                </a:solidFill>
-                <a:latin typeface="돋움체" panose="020B0609000101010101" pitchFamily="49" charset="-127"/>
-                <a:ea typeface="돋움체" panose="020B0609000101010101" pitchFamily="49" charset="-127"/>
-              </a:rPr>
-              <a:t>&gt;&amp; </a:t>
-            </a:r>
-            <a:r>
-              <a:rPr lang="en-US" altLang="ko-KR" dirty="0" err="1">
-                <a:solidFill>
-                  <a:srgbClr val="808080"/>
-                </a:solidFill>
-                <a:latin typeface="돋움체" panose="020B0609000101010101" pitchFamily="49" charset="-127"/>
-                <a:ea typeface="돋움체" panose="020B0609000101010101" pitchFamily="49" charset="-127"/>
-              </a:rPr>
-              <a:t>args</a:t>
-            </a:r>
-            <a:r>
-              <a:rPr lang="en-US" altLang="ko-KR" dirty="0">
-                <a:solidFill>
-                  <a:srgbClr val="000000"/>
-                </a:solidFill>
-                <a:latin typeface="돋움체" panose="020B0609000101010101" pitchFamily="49" charset="-127"/>
-                <a:ea typeface="돋움체" panose="020B0609000101010101" pitchFamily="49" charset="-127"/>
-              </a:rPr>
-              <a:t>) = 0;</a:t>
-            </a:r>
-            <a:endParaRPr lang="ko-KR" altLang="en-US" sz="1100" dirty="0"/>
-          </a:p>
-        </p:txBody>
-      </p:sp>
-      <p:sp>
-        <p:nvSpPr>
-          <p:cNvPr id="40" name="TextBox 39">
-            <a:extLst>
-              <a:ext uri="{FF2B5EF4-FFF2-40B4-BE49-F238E27FC236}">
-                <a16:creationId xmlns:a16="http://schemas.microsoft.com/office/drawing/2014/main" id="{4DB723BF-593C-4E7B-A58D-DCE1A97362AF}"/>
-              </a:ext>
-            </a:extLst>
-          </p:cNvPr>
-          <p:cNvSpPr txBox="1"/>
-          <p:nvPr/>
-        </p:nvSpPr>
-        <p:spPr>
-          <a:xfrm>
-            <a:off x="5845332" y="4542855"/>
-            <a:ext cx="2375971" cy="738664"/>
-          </a:xfrm>
-          <a:prstGeom prst="rect">
-            <a:avLst/>
-          </a:prstGeom>
-          <a:noFill/>
-        </p:spPr>
-        <p:txBody>
-          <a:bodyPr wrap="none" rtlCol="0">
-            <a:spAutoFit/>
-          </a:bodyPr>
-          <a:lstStyle/>
-          <a:p>
-            <a:pPr marL="285750" indent="-285750">
-              <a:buFont typeface="Arial" panose="020B0604020202020204" pitchFamily="34" charset="0"/>
-              <a:buChar char="•"/>
-            </a:pPr>
-            <a:r>
-              <a:rPr lang="en-US" altLang="ko-KR" dirty="0" err="1"/>
-              <a:t>IApplication</a:t>
-            </a:r>
-            <a:r>
-              <a:rPr lang="ko-KR" altLang="en-US" dirty="0"/>
-              <a:t>을 상속받아</a:t>
-            </a:r>
-            <a:br>
-              <a:rPr lang="en-US" altLang="ko-KR" dirty="0"/>
-            </a:br>
-            <a:r>
-              <a:rPr lang="ko-KR" altLang="en-US" dirty="0"/>
-              <a:t>각종 </a:t>
-            </a:r>
-            <a:r>
-              <a:rPr lang="en-US" altLang="ko-KR" dirty="0"/>
-              <a:t>Application</a:t>
-            </a:r>
-            <a:r>
-              <a:rPr lang="ko-KR" altLang="en-US" dirty="0"/>
-              <a:t>들 구현</a:t>
-            </a:r>
-            <a:endParaRPr lang="en-US" altLang="ko-KR" dirty="0"/>
-          </a:p>
-          <a:p>
-            <a:pPr marL="285750" indent="-285750">
-              <a:buFont typeface="Arial" panose="020B0604020202020204" pitchFamily="34" charset="0"/>
-              <a:buChar char="•"/>
-            </a:pPr>
-            <a:endParaRPr lang="en-US" altLang="ko-KR" dirty="0"/>
+              <a:rPr lang="ko-KR" altLang="en-US" sz="2000" dirty="0"/>
+              <a:t>적용 </a:t>
+            </a:r>
+            <a:r>
+              <a:rPr lang="en-US" altLang="ko-KR" sz="2000" dirty="0"/>
+              <a:t>(Singleton pattern)</a:t>
+            </a:r>
+            <a:endParaRPr lang="ko-KR" altLang="en-US" sz="2000" dirty="0"/>
           </a:p>
         </p:txBody>
       </p:sp>
     </p:spTree>
     <p:extLst>
       <p:ext uri="{BB962C8B-B14F-4D97-AF65-F5344CB8AC3E}">
-        <p14:creationId xmlns:p14="http://schemas.microsoft.com/office/powerpoint/2010/main" val="3643175877"/>
+        <p14:creationId xmlns:p14="http://schemas.microsoft.com/office/powerpoint/2010/main" val="4154925381"/>
       </p:ext>
     </p:extLst>
   </p:cSld>
@@ -11020,116 +9971,6 @@
 </file>
 
 <file path=ppt/slides/slide8.xml><?xml version="1.0" encoding="utf-8"?>
-<p:sld xmlns:a="http://schemas.openxmlformats.org/drawingml/2006/main" xmlns:r="http://schemas.openxmlformats.org/officeDocument/2006/relationships" xmlns:p="http://schemas.openxmlformats.org/presentationml/2006/main">
-  <p:cSld>
-    <p:spTree>
-      <p:nvGrpSpPr>
-        <p:cNvPr id="1" name=""/>
-        <p:cNvGrpSpPr/>
-        <p:nvPr/>
-      </p:nvGrpSpPr>
-      <p:grpSpPr>
-        <a:xfrm>
-          <a:off x="0" y="0"/>
-          <a:ext cx="0" cy="0"/>
-          <a:chOff x="0" y="0"/>
-          <a:chExt cx="0" cy="0"/>
-        </a:xfrm>
-      </p:grpSpPr>
-      <p:sp>
-        <p:nvSpPr>
-          <p:cNvPr id="2" name="제목 1">
-            <a:extLst>
-              <a:ext uri="{FF2B5EF4-FFF2-40B4-BE49-F238E27FC236}">
-                <a16:creationId xmlns:a16="http://schemas.microsoft.com/office/drawing/2014/main" id="{ED675F9E-820D-4974-92A8-DCD69826561A}"/>
-              </a:ext>
-            </a:extLst>
-          </p:cNvPr>
-          <p:cNvSpPr>
-            <a:spLocks noGrp="1"/>
-          </p:cNvSpPr>
-          <p:nvPr>
-            <p:ph type="title"/>
-          </p:nvPr>
-        </p:nvSpPr>
-        <p:spPr/>
-        <p:txBody>
-          <a:bodyPr/>
-          <a:lstStyle/>
-          <a:p>
-            <a:endParaRPr lang="ko-KR" altLang="en-US"/>
-          </a:p>
-        </p:txBody>
-      </p:sp>
-      <p:sp>
-        <p:nvSpPr>
-          <p:cNvPr id="3" name="텍스트 개체 틀 2">
-            <a:extLst>
-              <a:ext uri="{FF2B5EF4-FFF2-40B4-BE49-F238E27FC236}">
-                <a16:creationId xmlns:a16="http://schemas.microsoft.com/office/drawing/2014/main" id="{69A61610-872D-4265-9AAB-0B8AC2852934}"/>
-              </a:ext>
-            </a:extLst>
-          </p:cNvPr>
-          <p:cNvSpPr>
-            <a:spLocks noGrp="1"/>
-          </p:cNvSpPr>
-          <p:nvPr>
-            <p:ph type="body" idx="1"/>
-          </p:nvPr>
-        </p:nvSpPr>
-        <p:spPr/>
-        <p:txBody>
-          <a:bodyPr/>
-          <a:lstStyle/>
-          <a:p>
-            <a:endParaRPr lang="ko-KR" altLang="en-US"/>
-          </a:p>
-        </p:txBody>
-      </p:sp>
-      <p:pic>
-        <p:nvPicPr>
-          <p:cNvPr id="5" name="그림 4">
-            <a:extLst>
-              <a:ext uri="{FF2B5EF4-FFF2-40B4-BE49-F238E27FC236}">
-                <a16:creationId xmlns:a16="http://schemas.microsoft.com/office/drawing/2014/main" id="{F3C4F369-DBC3-446D-8826-17966E966051}"/>
-              </a:ext>
-            </a:extLst>
-          </p:cNvPr>
-          <p:cNvPicPr>
-            <a:picLocks noChangeAspect="1"/>
-          </p:cNvPicPr>
-          <p:nvPr/>
-        </p:nvPicPr>
-        <p:blipFill>
-          <a:blip r:embed="rId2"/>
-          <a:stretch>
-            <a:fillRect/>
-          </a:stretch>
-        </p:blipFill>
-        <p:spPr>
-          <a:xfrm>
-            <a:off x="1070420" y="613938"/>
-            <a:ext cx="9673472" cy="5840208"/>
-          </a:xfrm>
-          <a:prstGeom prst="rect">
-            <a:avLst/>
-          </a:prstGeom>
-        </p:spPr>
-      </p:pic>
-    </p:spTree>
-    <p:extLst>
-      <p:ext uri="{BB962C8B-B14F-4D97-AF65-F5344CB8AC3E}">
-        <p14:creationId xmlns:p14="http://schemas.microsoft.com/office/powerpoint/2010/main" val="1606527452"/>
-      </p:ext>
-    </p:extLst>
-  </p:cSld>
-  <p:clrMapOvr>
-    <a:masterClrMapping/>
-  </p:clrMapOvr>
-</p:sld>
-</file>
-
-<file path=ppt/slides/slide9.xml><?xml version="1.0" encoding="utf-8"?>
 <p:sld xmlns:a="http://schemas.openxmlformats.org/drawingml/2006/main" xmlns:r="http://schemas.openxmlformats.org/officeDocument/2006/relationships" xmlns:p="http://schemas.openxmlformats.org/presentationml/2006/main">
   <p:cSld>
     <p:spTree>
@@ -11180,45 +10021,15 @@
             </a:pPr>
             <a:r>
               <a:rPr lang="en-US" altLang="ko-KR" dirty="0"/>
-              <a:t>Command </a:t>
+              <a:t>Application </a:t>
             </a:r>
             <a:r>
               <a:rPr lang="ko-KR" altLang="en-US" dirty="0"/>
-              <a:t>구현 소개</a:t>
+              <a:t>구현</a:t>
             </a:r>
           </a:p>
         </p:txBody>
       </p:sp>
-      <p:pic>
-        <p:nvPicPr>
-          <p:cNvPr id="3" name="그림 2">
-            <a:extLst>
-              <a:ext uri="{FF2B5EF4-FFF2-40B4-BE49-F238E27FC236}">
-                <a16:creationId xmlns:a16="http://schemas.microsoft.com/office/drawing/2014/main" id="{B2172C29-7DE0-4D90-8103-3D0C2A111B13}"/>
-              </a:ext>
-            </a:extLst>
-          </p:cNvPr>
-          <p:cNvPicPr>
-            <a:picLocks noChangeAspect="1"/>
-          </p:cNvPicPr>
-          <p:nvPr/>
-        </p:nvPicPr>
-        <p:blipFill>
-          <a:blip r:embed="rId3"/>
-          <a:stretch>
-            <a:fillRect/>
-          </a:stretch>
-        </p:blipFill>
-        <p:spPr>
-          <a:xfrm>
-            <a:off x="1743958" y="2359921"/>
-            <a:ext cx="9021452" cy="4347249"/>
-          </a:xfrm>
-          <a:prstGeom prst="rect">
-            <a:avLst/>
-          </a:prstGeom>
-        </p:spPr>
-      </p:pic>
       <p:sp>
         <p:nvSpPr>
           <p:cNvPr id="5" name="텍스트 개체 틀 1">
@@ -11248,6 +10059,52 @@
           <a:lstStyle/>
           <a:p>
             <a:r>
+              <a:rPr lang="ko-KR" altLang="en-US" sz="2000" dirty="0"/>
+              <a:t>새 </a:t>
+            </a:r>
+            <a:r>
+              <a:rPr lang="en-US" altLang="ko-KR" sz="2000" dirty="0"/>
+              <a:t>script </a:t>
+            </a:r>
+            <a:r>
+              <a:rPr lang="ko-KR" altLang="en-US" sz="2000" dirty="0"/>
+              <a:t>추가가 용이하도록 </a:t>
+            </a:r>
+            <a:r>
+              <a:rPr lang="en-US" altLang="ko-KR" sz="2000" dirty="0" err="1"/>
+              <a:t>IApplication</a:t>
+            </a:r>
+            <a:r>
+              <a:rPr lang="en-US" altLang="ko-KR" sz="2000" dirty="0"/>
+              <a:t> </a:t>
+            </a:r>
+            <a:r>
+              <a:rPr lang="ko-KR" altLang="en-US" sz="2000" dirty="0"/>
+              <a:t>인터페이스로 </a:t>
+            </a:r>
+            <a:r>
+              <a:rPr lang="en-US" altLang="ko-KR" sz="2000" dirty="0"/>
+              <a:t>script </a:t>
+            </a:r>
+            <a:r>
+              <a:rPr lang="ko-KR" altLang="en-US" sz="2000" dirty="0"/>
+              <a:t>를</a:t>
+            </a:r>
+            <a:r>
+              <a:rPr lang="en-US" altLang="ko-KR" sz="2000" dirty="0"/>
+              <a:t> </a:t>
+            </a:r>
+            <a:r>
+              <a:rPr lang="ko-KR" altLang="en-US" sz="2000" dirty="0"/>
+              <a:t>추상화 </a:t>
+            </a:r>
+            <a:r>
+              <a:rPr lang="en-US" altLang="ko-KR" sz="2000" dirty="0"/>
+              <a:t>(OCP)</a:t>
+            </a:r>
+          </a:p>
+          <a:p>
+            <a:r>
               <a:rPr lang="en-US" altLang="ko-KR" sz="2000" dirty="0"/>
               <a:t>Invoker (</a:t>
             </a:r>
@@ -11257,11 +10114,11 @@
             </a:r>
             <a:r>
               <a:rPr lang="en-US" altLang="ko-KR" sz="2000" dirty="0"/>
-              <a:t> / Application) – </a:t>
+              <a:t>) –&gt; </a:t>
             </a:r>
             <a:r>
               <a:rPr lang="en-US" altLang="ko-KR" sz="2000" dirty="0" err="1"/>
-              <a:t>ICommand</a:t>
+              <a:t>IApplication</a:t>
             </a:r>
             <a:r>
               <a:rPr lang="en-US" altLang="ko-KR" sz="2000" dirty="0"/>
@@ -11283,23 +10140,8 @@
           </a:p>
           <a:p>
             <a:r>
-              <a:rPr lang="ko-KR" altLang="en-US" sz="2000" dirty="0"/>
-              <a:t>유효성 검사를 개별 </a:t>
-            </a:r>
-            <a:r>
-              <a:rPr lang="en-US" altLang="ko-KR" sz="2000" dirty="0"/>
-              <a:t>concreate command </a:t>
-            </a:r>
-            <a:r>
-              <a:rPr lang="ko-KR" altLang="en-US" sz="2000" dirty="0"/>
-              <a:t>객체에 위임</a:t>
-            </a:r>
-            <a:endParaRPr lang="en-US" altLang="ko-KR" sz="2000" dirty="0"/>
-          </a:p>
-          <a:p>
-            <a:r>
               <a:rPr lang="en-US" altLang="ko-KR" sz="2000" dirty="0" err="1"/>
-              <a:t>CommandFactory</a:t>
+              <a:t>ApplicationFactory</a:t>
             </a:r>
             <a:r>
               <a:rPr lang="en-US" altLang="ko-KR" sz="2000" dirty="0"/>
@@ -11317,10 +10159,221 @@
           </a:p>
         </p:txBody>
       </p:sp>
+      <p:pic>
+        <p:nvPicPr>
+          <p:cNvPr id="6" name="그림 5">
+            <a:extLst>
+              <a:ext uri="{FF2B5EF4-FFF2-40B4-BE49-F238E27FC236}">
+                <a16:creationId xmlns:a16="http://schemas.microsoft.com/office/drawing/2014/main" id="{E916DB42-6E8D-4358-B3CE-984894CBB888}"/>
+              </a:ext>
+            </a:extLst>
+          </p:cNvPr>
+          <p:cNvPicPr>
+            <a:picLocks noChangeAspect="1"/>
+          </p:cNvPicPr>
+          <p:nvPr/>
+        </p:nvPicPr>
+        <p:blipFill>
+          <a:blip r:embed="rId3"/>
+          <a:stretch>
+            <a:fillRect/>
+          </a:stretch>
+        </p:blipFill>
+        <p:spPr>
+          <a:xfrm>
+            <a:off x="1233102" y="2375556"/>
+            <a:ext cx="9440962" cy="4331556"/>
+          </a:xfrm>
+          <a:prstGeom prst="rect">
+            <a:avLst/>
+          </a:prstGeom>
+        </p:spPr>
+      </p:pic>
     </p:spTree>
     <p:extLst>
       <p:ext uri="{BB962C8B-B14F-4D97-AF65-F5344CB8AC3E}">
-        <p14:creationId xmlns:p14="http://schemas.microsoft.com/office/powerpoint/2010/main" val="4154925381"/>
+        <p14:creationId xmlns:p14="http://schemas.microsoft.com/office/powerpoint/2010/main" val="804108854"/>
+      </p:ext>
+    </p:extLst>
+  </p:cSld>
+  <p:clrMapOvr>
+    <a:masterClrMapping/>
+  </p:clrMapOvr>
+</p:sld>
+</file>
+
+<file path=ppt/slides/slide9.xml><?xml version="1.0" encoding="utf-8"?>
+<p:sld xmlns:a="http://schemas.openxmlformats.org/drawingml/2006/main" xmlns:r="http://schemas.openxmlformats.org/officeDocument/2006/relationships" xmlns:p="http://schemas.openxmlformats.org/presentationml/2006/main">
+  <p:cSld>
+    <p:spTree>
+      <p:nvGrpSpPr>
+        <p:cNvPr id="1" name=""/>
+        <p:cNvGrpSpPr/>
+        <p:nvPr/>
+      </p:nvGrpSpPr>
+      <p:grpSpPr>
+        <a:xfrm>
+          <a:off x="0" y="0"/>
+          <a:ext cx="0" cy="0"/>
+          <a:chOff x="0" y="0"/>
+          <a:chExt cx="0" cy="0"/>
+        </a:xfrm>
+      </p:grpSpPr>
+      <p:sp>
+        <p:nvSpPr>
+          <p:cNvPr id="2" name="제목 1">
+            <a:extLst>
+              <a:ext uri="{FF2B5EF4-FFF2-40B4-BE49-F238E27FC236}">
+                <a16:creationId xmlns:a16="http://schemas.microsoft.com/office/drawing/2014/main" id="{5340A009-2069-46D6-83E0-2175DB301224}"/>
+              </a:ext>
+            </a:extLst>
+          </p:cNvPr>
+          <p:cNvSpPr>
+            <a:spLocks noGrp="1"/>
+          </p:cNvSpPr>
+          <p:nvPr>
+            <p:ph type="title"/>
+          </p:nvPr>
+        </p:nvSpPr>
+        <p:spPr/>
+        <p:txBody>
+          <a:bodyPr>
+            <a:normAutofit fontScale="90000"/>
+          </a:bodyPr>
+          <a:lstStyle/>
+          <a:p>
+            <a:r>
+              <a:rPr lang="en-US" altLang="ko-KR" dirty="0"/>
+              <a:t>Runner </a:t>
+            </a:r>
+            <a:r>
+              <a:rPr lang="ko-KR" altLang="en-US" dirty="0"/>
+              <a:t>구현</a:t>
+            </a:r>
+          </a:p>
+        </p:txBody>
+      </p:sp>
+      <p:sp>
+        <p:nvSpPr>
+          <p:cNvPr id="3" name="텍스트 개체 틀 2">
+            <a:extLst>
+              <a:ext uri="{FF2B5EF4-FFF2-40B4-BE49-F238E27FC236}">
+                <a16:creationId xmlns:a16="http://schemas.microsoft.com/office/drawing/2014/main" id="{7770C2A3-0A32-40F0-9AB9-A1FB56443CBE}"/>
+              </a:ext>
+            </a:extLst>
+          </p:cNvPr>
+          <p:cNvSpPr>
+            <a:spLocks noGrp="1"/>
+          </p:cNvSpPr>
+          <p:nvPr>
+            <p:ph type="body" idx="1"/>
+          </p:nvPr>
+        </p:nvSpPr>
+        <p:spPr>
+          <a:xfrm>
+            <a:off x="605980" y="960002"/>
+            <a:ext cx="10515600" cy="4927686"/>
+          </a:xfrm>
+        </p:spPr>
+        <p:txBody>
+          <a:bodyPr>
+            <a:normAutofit/>
+          </a:bodyPr>
+          <a:lstStyle/>
+          <a:p>
+            <a:r>
+              <a:rPr lang="ko-KR" altLang="en-US" sz="2000" dirty="0"/>
+              <a:t>그 자체로 </a:t>
+            </a:r>
+            <a:r>
+              <a:rPr lang="en-US" altLang="ko-KR" sz="2000" dirty="0"/>
+              <a:t>Application </a:t>
+            </a:r>
+            <a:r>
+              <a:rPr lang="ko-KR" altLang="en-US" sz="2000" dirty="0"/>
+              <a:t>이자 다른 </a:t>
+            </a:r>
+            <a:r>
+              <a:rPr lang="en-US" altLang="ko-KR" sz="2000" dirty="0"/>
+              <a:t>Application (script)</a:t>
+            </a:r>
+            <a:r>
+              <a:rPr lang="ko-KR" altLang="en-US" sz="2000" dirty="0"/>
+              <a:t> 를 구동하도록 설계</a:t>
+            </a:r>
+            <a:endParaRPr lang="en-US" altLang="ko-KR" sz="2000" dirty="0"/>
+          </a:p>
+          <a:p>
+            <a:r>
+              <a:rPr lang="en-US" altLang="ko-KR" sz="2000" dirty="0"/>
+              <a:t>Script</a:t>
+            </a:r>
+            <a:r>
+              <a:rPr lang="ko-KR" altLang="en-US" sz="2000" dirty="0"/>
+              <a:t> </a:t>
+            </a:r>
+            <a:r>
+              <a:rPr lang="en-US" altLang="ko-KR" sz="2000" dirty="0"/>
+              <a:t>list</a:t>
+            </a:r>
+            <a:r>
+              <a:rPr lang="ko-KR" altLang="en-US" sz="2000" dirty="0"/>
+              <a:t> 에 포함된 </a:t>
+            </a:r>
+            <a:r>
+              <a:rPr lang="en-US" altLang="ko-KR" sz="2000" dirty="0"/>
+              <a:t>script </a:t>
+            </a:r>
+            <a:r>
+              <a:rPr lang="ko-KR" altLang="en-US" sz="2000" dirty="0"/>
+              <a:t>가 실제로 존재하지 않으면 </a:t>
+            </a:r>
+            <a:r>
+              <a:rPr lang="en-US" altLang="ko-KR" sz="2000" dirty="0"/>
+              <a:t>exception </a:t>
+            </a:r>
+            <a:r>
+              <a:rPr lang="ko-KR" altLang="en-US" sz="2000" dirty="0"/>
+              <a:t>처리</a:t>
+            </a:r>
+            <a:endParaRPr lang="en-US" altLang="ko-KR" sz="2000" dirty="0"/>
+          </a:p>
+        </p:txBody>
+      </p:sp>
+      <p:pic>
+        <p:nvPicPr>
+          <p:cNvPr id="5" name="그림 4">
+            <a:extLst>
+              <a:ext uri="{FF2B5EF4-FFF2-40B4-BE49-F238E27FC236}">
+                <a16:creationId xmlns:a16="http://schemas.microsoft.com/office/drawing/2014/main" id="{37E5B85C-CE21-4200-A57D-8119109BE0AF}"/>
+              </a:ext>
+            </a:extLst>
+          </p:cNvPr>
+          <p:cNvPicPr>
+            <a:picLocks noChangeAspect="1"/>
+          </p:cNvPicPr>
+          <p:nvPr/>
+        </p:nvPicPr>
+        <p:blipFill>
+          <a:blip r:embed="rId2"/>
+          <a:stretch>
+            <a:fillRect/>
+          </a:stretch>
+        </p:blipFill>
+        <p:spPr>
+          <a:xfrm>
+            <a:off x="514014" y="2026762"/>
+            <a:ext cx="11163972" cy="4736969"/>
+          </a:xfrm>
+          <a:prstGeom prst="rect">
+            <a:avLst/>
+          </a:prstGeom>
+        </p:spPr>
+      </p:pic>
+    </p:spTree>
+    <p:extLst>
+      <p:ext uri="{BB962C8B-B14F-4D97-AF65-F5344CB8AC3E}">
+        <p14:creationId xmlns:p14="http://schemas.microsoft.com/office/powerpoint/2010/main" val="2708801822"/>
       </p:ext>
     </p:extLst>
   </p:cSld>
